--- a/Data-Visualization/Final Project/Submission/Kolla_FinalProject.pptx
+++ b/Data-Visualization/Final Project/Submission/Kolla_FinalProject.pptx
@@ -208,7 +208,7 @@
           <a:p>
             <a:fld id="{549F0A63-798F-4220-BDF6-4F2A310BE513}" type="datetimeFigureOut">
               <a:rPr lang="en-US" smtClean="0"/>
-              <a:t>12/2/20</a:t>
+              <a:t>12/4/20</a:t>
             </a:fld>
             <a:endParaRPr lang="en-US"/>
           </a:p>
@@ -622,7 +622,7 @@
           <a:p>
             <a:fld id="{3A7DEE86-343E-4E52-A9F2-5D2AFC375F8E}" type="datetime1">
               <a:rPr lang="en-US" smtClean="0"/>
-              <a:t>12/2/20</a:t>
+              <a:t>12/4/20</a:t>
             </a:fld>
             <a:endParaRPr lang="en-US"/>
           </a:p>
@@ -820,7 +820,7 @@
           <a:p>
             <a:fld id="{FDEFCB42-DC1C-4C4F-8BF5-58C19F445211}" type="datetime1">
               <a:rPr lang="en-US" smtClean="0"/>
-              <a:t>12/2/20</a:t>
+              <a:t>12/4/20</a:t>
             </a:fld>
             <a:endParaRPr lang="en-US"/>
           </a:p>
@@ -1028,7 +1028,7 @@
           <a:p>
             <a:fld id="{77B87E0D-AFDA-459C-902A-77C930534CBF}" type="datetime1">
               <a:rPr lang="en-US" smtClean="0"/>
-              <a:t>12/2/20</a:t>
+              <a:t>12/4/20</a:t>
             </a:fld>
             <a:endParaRPr lang="en-US"/>
           </a:p>
@@ -1226,7 +1226,7 @@
           <a:p>
             <a:fld id="{B30C5F76-5E10-4AEF-869E-0247C6F0D1CC}" type="datetime1">
               <a:rPr lang="en-US" smtClean="0"/>
-              <a:t>12/2/20</a:t>
+              <a:t>12/4/20</a:t>
             </a:fld>
             <a:endParaRPr lang="en-US"/>
           </a:p>
@@ -1501,7 +1501,7 @@
           <a:p>
             <a:fld id="{6257F169-01A6-4B1E-A47F-4A7155CB8565}" type="datetime1">
               <a:rPr lang="en-US" smtClean="0"/>
-              <a:t>12/2/20</a:t>
+              <a:t>12/4/20</a:t>
             </a:fld>
             <a:endParaRPr lang="en-US"/>
           </a:p>
@@ -1766,7 +1766,7 @@
           <a:p>
             <a:fld id="{84C5E048-CB7C-4B00-84F5-39B102FE9781}" type="datetime1">
               <a:rPr lang="en-US" smtClean="0"/>
-              <a:t>12/2/20</a:t>
+              <a:t>12/4/20</a:t>
             </a:fld>
             <a:endParaRPr lang="en-US"/>
           </a:p>
@@ -2178,7 +2178,7 @@
           <a:p>
             <a:fld id="{5F5A94CA-0C3F-4F76-B54A-E9C7F5256EFE}" type="datetime1">
               <a:rPr lang="en-US" smtClean="0"/>
-              <a:t>12/2/20</a:t>
+              <a:t>12/4/20</a:t>
             </a:fld>
             <a:endParaRPr lang="en-US"/>
           </a:p>
@@ -2319,7 +2319,7 @@
           <a:p>
             <a:fld id="{CD742E04-E4B5-4DFB-A5EF-8521A604DB1B}" type="datetime1">
               <a:rPr lang="en-US" smtClean="0"/>
-              <a:t>12/2/20</a:t>
+              <a:t>12/4/20</a:t>
             </a:fld>
             <a:endParaRPr lang="en-US"/>
           </a:p>
@@ -2432,7 +2432,7 @@
           <a:p>
             <a:fld id="{1203E67E-64DB-4E54-A06D-62800F9BC7D1}" type="datetime1">
               <a:rPr lang="en-US" smtClean="0"/>
-              <a:t>12/2/20</a:t>
+              <a:t>12/4/20</a:t>
             </a:fld>
             <a:endParaRPr lang="en-US"/>
           </a:p>
@@ -2743,7 +2743,7 @@
           <a:p>
             <a:fld id="{E7729154-5495-40C2-8C85-6AB210CA44DA}" type="datetime1">
               <a:rPr lang="en-US" smtClean="0"/>
-              <a:t>12/2/20</a:t>
+              <a:t>12/4/20</a:t>
             </a:fld>
             <a:endParaRPr lang="en-US"/>
           </a:p>
@@ -3031,7 +3031,7 @@
           <a:p>
             <a:fld id="{42467C89-03EF-4D28-9729-C96E9EEC51ED}" type="datetime1">
               <a:rPr lang="en-US" smtClean="0"/>
-              <a:t>12/2/20</a:t>
+              <a:t>12/4/20</a:t>
             </a:fld>
             <a:endParaRPr lang="en-US"/>
           </a:p>
@@ -3272,7 +3272,7 @@
           <a:p>
             <a:fld id="{55B92BCB-8B05-4411-A8CB-9FBE5DB08B39}" type="datetime1">
               <a:rPr lang="en-US" smtClean="0"/>
-              <a:t>12/2/20</a:t>
+              <a:t>12/4/20</a:t>
             </a:fld>
             <a:endParaRPr lang="en-US"/>
           </a:p>
@@ -4204,11 +4204,15 @@
         </p:spPr>
         <p:txBody>
           <a:bodyPr>
-            <a:normAutofit/>
+            <a:normAutofit fontScale="77500" lnSpcReduction="20000"/>
           </a:bodyPr>
           <a:lstStyle/>
           <a:p>
-            <a:pPr algn="just"/>
+            <a:pPr algn="just">
+              <a:lnSpc>
+                <a:spcPct val="150000"/>
+              </a:lnSpc>
+            </a:pPr>
             <a:r>
               <a:rPr lang="en-US" dirty="0">
                 <a:latin typeface="Times New Roman" panose="02020603050405020304" pitchFamily="18" charset="0"/>
@@ -4232,7 +4236,11 @@
             </a:r>
           </a:p>
           <a:p>
-            <a:pPr algn="just"/>
+            <a:pPr algn="just">
+              <a:lnSpc>
+                <a:spcPct val="150000"/>
+              </a:lnSpc>
+            </a:pPr>
             <a:r>
               <a:rPr lang="en-US" dirty="0" err="1">
                 <a:latin typeface="Times New Roman" panose="02020603050405020304" pitchFamily="18" charset="0"/>
@@ -4295,7 +4303,11 @@
             </a:endParaRPr>
           </a:p>
           <a:p>
-            <a:pPr algn="just"/>
+            <a:pPr algn="just">
+              <a:lnSpc>
+                <a:spcPct val="150000"/>
+              </a:lnSpc>
+            </a:pPr>
             <a:r>
               <a:rPr lang="en-US" dirty="0">
                 <a:latin typeface="Times New Roman" panose="02020603050405020304" pitchFamily="18" charset="0"/>
